--- a/assets/lectures/cshl/2022/full/RNASeq_Module1_IntrotoRNA.pptx
+++ b/assets/lectures/cshl/2022/full/RNASeq_Module1_IntrotoRNA.pptx
@@ -5,10 +5,10 @@
     <p:sldMasterId id="2147483648" r:id="rId1"/>
   </p:sldMasterIdLst>
   <p:notesMasterIdLst>
-    <p:notesMasterId r:id="rId21"/>
+    <p:notesMasterId r:id="rId22"/>
   </p:notesMasterIdLst>
   <p:handoutMasterIdLst>
-    <p:handoutMasterId r:id="rId22"/>
+    <p:handoutMasterId r:id="rId23"/>
   </p:handoutMasterIdLst>
   <p:sldIdLst>
     <p:sldId id="513" r:id="rId2"/>
@@ -27,9 +27,10 @@
     <p:sldId id="554" r:id="rId15"/>
     <p:sldId id="555" r:id="rId16"/>
     <p:sldId id="556" r:id="rId17"/>
-    <p:sldId id="561" r:id="rId18"/>
-    <p:sldId id="562" r:id="rId19"/>
-    <p:sldId id="563" r:id="rId20"/>
+    <p:sldId id="564" r:id="rId18"/>
+    <p:sldId id="561" r:id="rId19"/>
+    <p:sldId id="562" r:id="rId20"/>
+    <p:sldId id="563" r:id="rId21"/>
   </p:sldIdLst>
   <p:sldSz cx="12192000" cy="6858000"/>
   <p:notesSz cx="7315200" cy="9601200"/>
@@ -280,7 +281,7 @@
               <a:pPr>
                 <a:defRPr/>
               </a:pPr>
-              <a:t>11/4/22</a:t>
+              <a:t>11/11/22</a:t>
             </a:fld>
             <a:endParaRPr lang="en-US"/>
           </a:p>
@@ -487,7 +488,7 @@
               <a:pPr>
                 <a:defRPr/>
               </a:pPr>
-              <a:t>11/4/22</a:t>
+              <a:t>11/11/22</a:t>
             </a:fld>
             <a:endParaRPr lang="en-US"/>
           </a:p>
@@ -858,14 +859,14 @@
           </a:ln>
           <a:extLst>
             <a:ext uri="{909E8E84-426E-40dd-AFC4-6F175D3DCCD1}">
-              <a14:hiddenFill xmlns="" xmlns:a14="http://schemas.microsoft.com/office/drawing/2010/main">
+              <a14:hiddenFill xmlns:a14="http://schemas.microsoft.com/office/drawing/2010/main" xmlns="">
                 <a:solidFill>
                   <a:srgbClr val="FFFFFF"/>
                 </a:solidFill>
               </a14:hiddenFill>
             </a:ext>
             <a:ext uri="{FAA26D3D-D897-4be2-8F04-BA451C77F1D7}">
-              <ma14:placeholderFlag xmlns="" xmlns:ma14="http://schemas.microsoft.com/office/mac/drawingml/2011/main" val="1"/>
+              <ma14:placeholderFlag xmlns:ma14="http://schemas.microsoft.com/office/mac/drawingml/2011/main" xmlns="" val="1"/>
             </a:ext>
           </a:extLst>
         </p:spPr>
@@ -884,14 +885,14 @@
           <a:noFill/>
           <a:extLst>
             <a:ext uri="{909E8E84-426E-40dd-AFC4-6F175D3DCCD1}">
-              <a14:hiddenFill xmlns="" xmlns:a14="http://schemas.microsoft.com/office/drawing/2010/main">
+              <a14:hiddenFill xmlns:a14="http://schemas.microsoft.com/office/drawing/2010/main" xmlns="">
                 <a:solidFill>
                   <a:srgbClr val="FFFFFF"/>
                 </a:solidFill>
               </a14:hiddenFill>
             </a:ext>
             <a:ext uri="{91240B29-F687-4f45-9708-019B960494DF}">
-              <a14:hiddenLine xmlns="" xmlns:a14="http://schemas.microsoft.com/office/drawing/2010/main" w="9525">
+              <a14:hiddenLine xmlns:a14="http://schemas.microsoft.com/office/drawing/2010/main" xmlns="" w="9525">
                 <a:solidFill>
                   <a:srgbClr val="000000"/>
                 </a:solidFill>
@@ -901,7 +902,7 @@
               </a14:hiddenLine>
             </a:ext>
             <a:ext uri="{FAA26D3D-D897-4be2-8F04-BA451C77F1D7}">
-              <ma14:placeholderFlag xmlns="" xmlns:ma14="http://schemas.microsoft.com/office/mac/drawingml/2011/main" val="1"/>
+              <ma14:placeholderFlag xmlns:ma14="http://schemas.microsoft.com/office/mac/drawingml/2011/main" xmlns="" val="1"/>
             </a:ext>
           </a:extLst>
         </p:spPr>
@@ -935,14 +936,14 @@
           <a:noFill/>
           <a:extLst>
             <a:ext uri="{909E8E84-426E-40dd-AFC4-6F175D3DCCD1}">
-              <a14:hiddenFill xmlns="" xmlns:a14="http://schemas.microsoft.com/office/drawing/2010/main">
+              <a14:hiddenFill xmlns:a14="http://schemas.microsoft.com/office/drawing/2010/main" xmlns="">
                 <a:solidFill>
                   <a:srgbClr val="FFFFFF"/>
                 </a:solidFill>
               </a14:hiddenFill>
             </a:ext>
             <a:ext uri="{91240B29-F687-4f45-9708-019B960494DF}">
-              <a14:hiddenLine xmlns="" xmlns:a14="http://schemas.microsoft.com/office/drawing/2010/main" w="9525">
+              <a14:hiddenLine xmlns:a14="http://schemas.microsoft.com/office/drawing/2010/main" xmlns="" w="9525">
                 <a:solidFill>
                   <a:srgbClr val="000000"/>
                 </a:solidFill>
@@ -1591,6 +1592,260 @@
 </p:notes>
 </file>
 
+<file path=ppt/notesSlides/notesSlide11.xml><?xml version="1.0" encoding="utf-8"?>
+<p:notes xmlns:a="http://schemas.openxmlformats.org/drawingml/2006/main" xmlns:r="http://schemas.openxmlformats.org/officeDocument/2006/relationships" xmlns:p="http://schemas.openxmlformats.org/presentationml/2006/main">
+  <p:cSld>
+    <p:spTree>
+      <p:nvGrpSpPr>
+        <p:cNvPr id="1" name=""/>
+        <p:cNvGrpSpPr/>
+        <p:nvPr/>
+      </p:nvGrpSpPr>
+      <p:grpSpPr>
+        <a:xfrm>
+          <a:off x="0" y="0"/>
+          <a:ext cx="0" cy="0"/>
+          <a:chOff x="0" y="0"/>
+          <a:chExt cx="0" cy="0"/>
+        </a:xfrm>
+      </p:grpSpPr>
+      <p:sp>
+        <p:nvSpPr>
+          <p:cNvPr id="2" name="Slide Image Placeholder 1"/>
+          <p:cNvSpPr>
+            <a:spLocks noGrp="1" noRot="1" noChangeAspect="1"/>
+          </p:cNvSpPr>
+          <p:nvPr>
+            <p:ph type="sldImg"/>
+          </p:nvPr>
+        </p:nvSpPr>
+        <p:spPr/>
+      </p:sp>
+      <p:sp>
+        <p:nvSpPr>
+          <p:cNvPr id="3" name="Notes Placeholder 2"/>
+          <p:cNvSpPr>
+            <a:spLocks noGrp="1"/>
+          </p:cNvSpPr>
+          <p:nvPr>
+            <p:ph type="body" idx="1"/>
+          </p:nvPr>
+        </p:nvSpPr>
+        <p:spPr/>
+        <p:txBody>
+          <a:bodyPr/>
+          <a:lstStyle/>
+          <a:p>
+            <a:pPr marL="171450" indent="-171450">
+              <a:buFontTx/>
+              <a:buChar char="-"/>
+            </a:pPr>
+            <a:r>
+              <a:rPr lang="en-US" dirty="0"/>
+              <a:t>Simple differences.  Cost.  200 million reads gives you a rich representation of transcriptome in bulk context but signal is averaged across cells.  500 million reads in an </a:t>
+            </a:r>
+            <a:r>
+              <a:rPr lang="en-US" dirty="0" err="1"/>
+              <a:t>scRNA-seq</a:t>
+            </a:r>
+            <a:r>
+              <a:rPr lang="en-US" dirty="0"/>
+              <a:t> experiment by contrast gives you are relatively sparse view of the transcriptome of 4-10k individual cells.</a:t>
+            </a:r>
+          </a:p>
+          <a:p>
+            <a:pPr marL="171450" indent="-171450">
+              <a:buFontTx/>
+              <a:buChar char="-"/>
+            </a:pPr>
+            <a:r>
+              <a:rPr lang="en-US" dirty="0"/>
+              <a:t>Simple differences.  Complexity of library prep and analysis is higher for </a:t>
+            </a:r>
+            <a:r>
+              <a:rPr lang="en-US" dirty="0" err="1"/>
+              <a:t>scRNA</a:t>
+            </a:r>
+            <a:r>
+              <a:rPr lang="en-US" dirty="0"/>
+              <a:t>.</a:t>
+            </a:r>
+          </a:p>
+          <a:p>
+            <a:pPr marL="171450" indent="-171450">
+              <a:buFontTx/>
+              <a:buChar char="-"/>
+            </a:pPr>
+            <a:r>
+              <a:rPr lang="en-US" dirty="0"/>
+              <a:t>Most importantly. Single cell data gives information about individual cells.  In bulk </a:t>
+            </a:r>
+            <a:r>
+              <a:rPr lang="en-US" dirty="0" err="1"/>
+              <a:t>RNAseq</a:t>
+            </a:r>
+            <a:r>
+              <a:rPr lang="en-US" dirty="0"/>
+              <a:t> analysis the signal from multiple cells is average together.  Deconvolution approaches are possible with bulk RNA-</a:t>
+            </a:r>
+            <a:r>
+              <a:rPr lang="en-US" dirty="0" err="1"/>
+              <a:t>seq</a:t>
+            </a:r>
+            <a:r>
+              <a:rPr lang="en-US" dirty="0"/>
+              <a:t> but hard.  Single cell becomes more valuable depending on how heterogeneous your sample is, and important it is to understand the interaction between cells.</a:t>
+            </a:r>
+          </a:p>
+          <a:p>
+            <a:pPr marL="171450" indent="-171450">
+              <a:buFontTx/>
+              <a:buChar char="-"/>
+            </a:pPr>
+            <a:r>
+              <a:rPr lang="en-US" dirty="0"/>
+              <a:t>Bulk RNA-</a:t>
+            </a:r>
+            <a:r>
+              <a:rPr lang="en-US" dirty="0" err="1"/>
+              <a:t>seq</a:t>
+            </a:r>
+            <a:r>
+              <a:rPr lang="en-US" dirty="0"/>
+              <a:t> is giving a readout of more cells, way, way more cells</a:t>
+            </a:r>
+          </a:p>
+          <a:p>
+            <a:pPr marL="171450" indent="-171450">
+              <a:buFontTx/>
+              <a:buChar char="-"/>
+            </a:pPr>
+            <a:r>
+              <a:rPr lang="en-US" dirty="0"/>
+              <a:t>Bulk RNA-</a:t>
+            </a:r>
+            <a:r>
+              <a:rPr lang="en-US" dirty="0" err="1"/>
+              <a:t>seq</a:t>
+            </a:r>
+            <a:r>
+              <a:rPr lang="en-US" dirty="0"/>
+              <a:t> can robustly detect gene expressed at very low copy number per cell</a:t>
+            </a:r>
+          </a:p>
+          <a:p>
+            <a:pPr marL="171450" indent="-171450">
+              <a:buFontTx/>
+              <a:buChar char="-"/>
+            </a:pPr>
+            <a:r>
+              <a:rPr lang="en-US" dirty="0"/>
+              <a:t>Bulk RNA-</a:t>
+            </a:r>
+            <a:r>
+              <a:rPr lang="en-US" dirty="0" err="1"/>
+              <a:t>seq</a:t>
+            </a:r>
+            <a:r>
+              <a:rPr lang="en-US" dirty="0"/>
+              <a:t> can provide information from the whole length of transcripts.  Single cell protocols remain end biased.  This has implications for detecting expression of variant alleles, isoform quantification, fusion detection, etc.</a:t>
+            </a:r>
+          </a:p>
+          <a:p>
+            <a:pPr marL="171450" indent="-171450">
+              <a:buFontTx/>
+              <a:buChar char="-"/>
+            </a:pPr>
+            <a:r>
+              <a:rPr lang="en-US" dirty="0"/>
+              <a:t>Support of long read sequencing platforms is in the early stages for </a:t>
+            </a:r>
+            <a:r>
+              <a:rPr lang="en-US" dirty="0" err="1"/>
+              <a:t>scRNA</a:t>
+            </a:r>
+            <a:r>
+              <a:rPr lang="en-US" dirty="0"/>
+              <a:t> approach</a:t>
+            </a:r>
+          </a:p>
+          <a:p>
+            <a:pPr marL="171450" indent="-171450">
+              <a:buFontTx/>
+              <a:buChar char="-"/>
+            </a:pPr>
+            <a:r>
+              <a:rPr lang="en-US" dirty="0"/>
+              <a:t>Bulk </a:t>
+            </a:r>
+            <a:r>
+              <a:rPr lang="en-US" dirty="0" err="1"/>
+              <a:t>RNAseq</a:t>
+            </a:r>
+            <a:r>
+              <a:rPr lang="en-US" dirty="0"/>
+              <a:t> can be done with very minimal manipulation of cells.  The result may be a relatively unbiased survey of transcripts in that tissue.  </a:t>
+            </a:r>
+            <a:r>
+              <a:rPr lang="en-US" dirty="0" err="1"/>
+              <a:t>polyA</a:t>
+            </a:r>
+            <a:r>
+              <a:rPr lang="en-US" dirty="0"/>
+              <a:t> transcripts and those that are not.  Long transcripts, short transcripts, abundant and rare.  Transcripts from cells that are fragile.  Transcripts from cells that are large and small.  </a:t>
+            </a:r>
+          </a:p>
+          <a:p>
+            <a:pPr marL="171450" indent="-171450">
+              <a:buFontTx/>
+              <a:buChar char="-"/>
+            </a:pPr>
+            <a:endParaRPr lang="en-US" dirty="0"/>
+          </a:p>
+        </p:txBody>
+      </p:sp>
+      <p:sp>
+        <p:nvSpPr>
+          <p:cNvPr id="4" name="Slide Number Placeholder 3"/>
+          <p:cNvSpPr>
+            <a:spLocks noGrp="1"/>
+          </p:cNvSpPr>
+          <p:nvPr>
+            <p:ph type="sldNum" sz="quarter" idx="5"/>
+          </p:nvPr>
+        </p:nvSpPr>
+        <p:spPr/>
+        <p:txBody>
+          <a:bodyPr/>
+          <a:lstStyle/>
+          <a:p>
+            <a:pPr>
+              <a:defRPr/>
+            </a:pPr>
+            <a:fld id="{58FBEE90-0CDA-3447-B595-4F8759630F3A}" type="slidenum">
+              <a:rPr lang="en-US" smtClean="0"/>
+              <a:pPr>
+                <a:defRPr/>
+              </a:pPr>
+              <a:t>17</a:t>
+            </a:fld>
+            <a:endParaRPr lang="en-US"/>
+          </a:p>
+        </p:txBody>
+      </p:sp>
+    </p:spTree>
+    <p:extLst>
+      <p:ext uri="{BB962C8B-B14F-4D97-AF65-F5344CB8AC3E}">
+        <p14:creationId xmlns:p14="http://schemas.microsoft.com/office/powerpoint/2010/main" val="595835569"/>
+      </p:ext>
+    </p:extLst>
+  </p:cSld>
+  <p:clrMapOvr>
+    <a:masterClrMapping/>
+  </p:clrMapOvr>
+</p:notes>
+</file>
+
 <file path=ppt/notesSlides/notesSlide2.xml><?xml version="1.0" encoding="utf-8"?>
 <p:notes xmlns:a="http://schemas.openxmlformats.org/drawingml/2006/main" xmlns:r="http://schemas.openxmlformats.org/officeDocument/2006/relationships" xmlns:p="http://schemas.openxmlformats.org/presentationml/2006/main">
   <p:cSld>
@@ -1622,14 +1877,14 @@
           <a:noFill/>
           <a:extLst>
             <a:ext uri="{909E8E84-426E-40dd-AFC4-6F175D3DCCD1}">
-              <a14:hiddenFill xmlns="" xmlns:a14="http://schemas.microsoft.com/office/drawing/2010/main">
+              <a14:hiddenFill xmlns:a14="http://schemas.microsoft.com/office/drawing/2010/main" xmlns="">
                 <a:solidFill>
                   <a:srgbClr val="FFFFFF"/>
                 </a:solidFill>
               </a14:hiddenFill>
             </a:ext>
             <a:ext uri="{91240B29-F687-4f45-9708-019B960494DF}">
-              <a14:hiddenLine xmlns="" xmlns:a14="http://schemas.microsoft.com/office/drawing/2010/main" w="9525">
+              <a14:hiddenLine xmlns:a14="http://schemas.microsoft.com/office/drawing/2010/main" xmlns="" w="9525">
                 <a:solidFill>
                   <a:srgbClr val="000000"/>
                 </a:solidFill>
@@ -1793,7 +2048,7 @@
           </a:ln>
           <a:extLst>
             <a:ext uri="{FAA26D3D-D897-4be2-8F04-BA451C77F1D7}">
-              <ma14:placeholderFlag xmlns="" xmlns:ma14="http://schemas.microsoft.com/office/mac/drawingml/2011/main" val="1"/>
+              <ma14:placeholderFlag xmlns:ma14="http://schemas.microsoft.com/office/mac/drawingml/2011/main" xmlns="" val="1"/>
             </a:ext>
           </a:extLst>
         </p:spPr>
@@ -1822,7 +2077,7 @@
           </a:ln>
           <a:extLst>
             <a:ext uri="{FAA26D3D-D897-4be2-8F04-BA451C77F1D7}">
-              <ma14:placeholderFlag xmlns="" xmlns:ma14="http://schemas.microsoft.com/office/mac/drawingml/2011/main" val="1"/>
+              <ma14:placeholderFlag xmlns:ma14="http://schemas.microsoft.com/office/mac/drawingml/2011/main" xmlns="" val="1"/>
             </a:ext>
           </a:extLst>
         </p:spPr>
@@ -1887,14 +2142,14 @@
           <a:noFill/>
           <a:extLst>
             <a:ext uri="{909E8E84-426E-40dd-AFC4-6F175D3DCCD1}">
-              <a14:hiddenFill xmlns="" xmlns:a14="http://schemas.microsoft.com/office/drawing/2010/main">
+              <a14:hiddenFill xmlns:a14="http://schemas.microsoft.com/office/drawing/2010/main" xmlns="">
                 <a:solidFill>
                   <a:srgbClr val="FFFFFF"/>
                 </a:solidFill>
               </a14:hiddenFill>
             </a:ext>
             <a:ext uri="{91240B29-F687-4f45-9708-019B960494DF}">
-              <a14:hiddenLine xmlns="" xmlns:a14="http://schemas.microsoft.com/office/drawing/2010/main" w="9525">
+              <a14:hiddenLine xmlns:a14="http://schemas.microsoft.com/office/drawing/2010/main" xmlns="" w="9525">
                 <a:solidFill>
                   <a:srgbClr val="000000"/>
                 </a:solidFill>
@@ -2058,7 +2313,7 @@
           </a:ln>
           <a:extLst>
             <a:ext uri="{FAA26D3D-D897-4be2-8F04-BA451C77F1D7}">
-              <ma14:placeholderFlag xmlns="" xmlns:ma14="http://schemas.microsoft.com/office/mac/drawingml/2011/main" val="1"/>
+              <ma14:placeholderFlag xmlns:ma14="http://schemas.microsoft.com/office/mac/drawingml/2011/main" xmlns="" val="1"/>
             </a:ext>
           </a:extLst>
         </p:spPr>
@@ -2087,7 +2342,7 @@
           </a:ln>
           <a:extLst>
             <a:ext uri="{FAA26D3D-D897-4be2-8F04-BA451C77F1D7}">
-              <ma14:placeholderFlag xmlns="" xmlns:ma14="http://schemas.microsoft.com/office/mac/drawingml/2011/main" val="1"/>
+              <ma14:placeholderFlag xmlns:ma14="http://schemas.microsoft.com/office/mac/drawingml/2011/main" xmlns="" val="1"/>
             </a:ext>
           </a:extLst>
         </p:spPr>
@@ -2259,14 +2514,14 @@
           <a:noFill/>
           <a:extLst>
             <a:ext uri="{909E8E84-426E-40dd-AFC4-6F175D3DCCD1}">
-              <a14:hiddenFill xmlns="" xmlns:a14="http://schemas.microsoft.com/office/drawing/2010/main">
+              <a14:hiddenFill xmlns:a14="http://schemas.microsoft.com/office/drawing/2010/main" xmlns="">
                 <a:solidFill>
                   <a:srgbClr val="FFFFFF"/>
                 </a:solidFill>
               </a14:hiddenFill>
             </a:ext>
             <a:ext uri="{91240B29-F687-4f45-9708-019B960494DF}">
-              <a14:hiddenLine xmlns="" xmlns:a14="http://schemas.microsoft.com/office/drawing/2010/main" w="9525">
+              <a14:hiddenLine xmlns:a14="http://schemas.microsoft.com/office/drawing/2010/main" xmlns="" w="9525">
                 <a:solidFill>
                   <a:srgbClr val="000000"/>
                 </a:solidFill>
@@ -2430,7 +2685,7 @@
           </a:ln>
           <a:extLst>
             <a:ext uri="{FAA26D3D-D897-4be2-8F04-BA451C77F1D7}">
-              <ma14:placeholderFlag xmlns="" xmlns:ma14="http://schemas.microsoft.com/office/mac/drawingml/2011/main" val="1"/>
+              <ma14:placeholderFlag xmlns:ma14="http://schemas.microsoft.com/office/mac/drawingml/2011/main" xmlns="" val="1"/>
             </a:ext>
           </a:extLst>
         </p:spPr>
@@ -2459,7 +2714,7 @@
           </a:ln>
           <a:extLst>
             <a:ext uri="{FAA26D3D-D897-4be2-8F04-BA451C77F1D7}">
-              <ma14:placeholderFlag xmlns="" xmlns:ma14="http://schemas.microsoft.com/office/mac/drawingml/2011/main" val="1"/>
+              <ma14:placeholderFlag xmlns:ma14="http://schemas.microsoft.com/office/mac/drawingml/2011/main" xmlns="" val="1"/>
             </a:ext>
           </a:extLst>
         </p:spPr>
@@ -3396,14 +3651,14 @@
           <a:noFill/>
           <a:extLst>
             <a:ext uri="{909E8E84-426E-40dd-AFC4-6F175D3DCCD1}">
-              <a14:hiddenFill xmlns="" xmlns:a14="http://schemas.microsoft.com/office/drawing/2010/main">
+              <a14:hiddenFill xmlns:a14="http://schemas.microsoft.com/office/drawing/2010/main" xmlns="">
                 <a:solidFill>
                   <a:srgbClr val="FFFFFF"/>
                 </a:solidFill>
               </a14:hiddenFill>
             </a:ext>
             <a:ext uri="{91240B29-F687-4f45-9708-019B960494DF}">
-              <a14:hiddenLine xmlns="" xmlns:a14="http://schemas.microsoft.com/office/drawing/2010/main" w="9525">
+              <a14:hiddenLine xmlns:a14="http://schemas.microsoft.com/office/drawing/2010/main" xmlns="" w="9525">
                 <a:solidFill>
                   <a:srgbClr val="000000"/>
                 </a:solidFill>
@@ -3567,7 +3822,7 @@
           </a:ln>
           <a:extLst>
             <a:ext uri="{FAA26D3D-D897-4be2-8F04-BA451C77F1D7}">
-              <ma14:placeholderFlag xmlns="" xmlns:ma14="http://schemas.microsoft.com/office/mac/drawingml/2011/main" val="1"/>
+              <ma14:placeholderFlag xmlns:ma14="http://schemas.microsoft.com/office/mac/drawingml/2011/main" xmlns="" val="1"/>
             </a:ext>
           </a:extLst>
         </p:spPr>
@@ -3596,7 +3851,7 @@
           </a:ln>
           <a:extLst>
             <a:ext uri="{FAA26D3D-D897-4be2-8F04-BA451C77F1D7}">
-              <ma14:placeholderFlag xmlns="" xmlns:ma14="http://schemas.microsoft.com/office/mac/drawingml/2011/main" val="1"/>
+              <ma14:placeholderFlag xmlns:ma14="http://schemas.microsoft.com/office/mac/drawingml/2011/main" xmlns="" val="1"/>
             </a:ext>
           </a:extLst>
         </p:spPr>
@@ -3661,14 +3916,14 @@
           <a:noFill/>
           <a:extLst>
             <a:ext uri="{909E8E84-426E-40dd-AFC4-6F175D3DCCD1}">
-              <a14:hiddenFill xmlns="" xmlns:a14="http://schemas.microsoft.com/office/drawing/2010/main">
+              <a14:hiddenFill xmlns:a14="http://schemas.microsoft.com/office/drawing/2010/main" xmlns="">
                 <a:solidFill>
                   <a:srgbClr val="FFFFFF"/>
                 </a:solidFill>
               </a14:hiddenFill>
             </a:ext>
             <a:ext uri="{91240B29-F687-4f45-9708-019B960494DF}">
-              <a14:hiddenLine xmlns="" xmlns:a14="http://schemas.microsoft.com/office/drawing/2010/main" w="9525">
+              <a14:hiddenLine xmlns:a14="http://schemas.microsoft.com/office/drawing/2010/main" xmlns="" w="9525">
                 <a:solidFill>
                   <a:srgbClr val="000000"/>
                 </a:solidFill>
@@ -3832,7 +4087,7 @@
           </a:ln>
           <a:extLst>
             <a:ext uri="{FAA26D3D-D897-4be2-8F04-BA451C77F1D7}">
-              <ma14:placeholderFlag xmlns="" xmlns:ma14="http://schemas.microsoft.com/office/mac/drawingml/2011/main" val="1"/>
+              <ma14:placeholderFlag xmlns:ma14="http://schemas.microsoft.com/office/mac/drawingml/2011/main" xmlns="" val="1"/>
             </a:ext>
           </a:extLst>
         </p:spPr>
@@ -3861,7 +4116,7 @@
           </a:ln>
           <a:extLst>
             <a:ext uri="{FAA26D3D-D897-4be2-8F04-BA451C77F1D7}">
-              <ma14:placeholderFlag xmlns="" xmlns:ma14="http://schemas.microsoft.com/office/mac/drawingml/2011/main" val="1"/>
+              <ma14:placeholderFlag xmlns:ma14="http://schemas.microsoft.com/office/mac/drawingml/2011/main" xmlns="" val="1"/>
             </a:ext>
           </a:extLst>
         </p:spPr>
@@ -4001,14 +4256,14 @@
           </a:ln>
           <a:extLst>
             <a:ext uri="{909E8E84-426E-40dd-AFC4-6F175D3DCCD1}">
-              <a14:hiddenFill xmlns="" xmlns:a14="http://schemas.microsoft.com/office/drawing/2010/main">
+              <a14:hiddenFill xmlns:a14="http://schemas.microsoft.com/office/drawing/2010/main" xmlns="">
                 <a:solidFill>
                   <a:srgbClr val="FFFFFF"/>
                 </a:solidFill>
               </a14:hiddenFill>
             </a:ext>
             <a:ext uri="{91240B29-F687-4f45-9708-019B960494DF}">
-              <a14:hiddenLine xmlns="" xmlns:a14="http://schemas.microsoft.com/office/drawing/2010/main" w="9525">
+              <a14:hiddenLine xmlns:a14="http://schemas.microsoft.com/office/drawing/2010/main" xmlns="" w="9525">
                 <a:solidFill>
                   <a:srgbClr val="000000"/>
                 </a:solidFill>
@@ -4649,14 +4904,14 @@
           </a:ln>
           <a:extLst>
             <a:ext uri="{909E8E84-426E-40dd-AFC4-6F175D3DCCD1}">
-              <a14:hiddenFill xmlns="" xmlns:a14="http://schemas.microsoft.com/office/drawing/2010/main">
+              <a14:hiddenFill xmlns:a14="http://schemas.microsoft.com/office/drawing/2010/main" xmlns="">
                 <a:solidFill>
                   <a:srgbClr val="FFFFFF"/>
                 </a:solidFill>
               </a14:hiddenFill>
             </a:ext>
             <a:ext uri="{91240B29-F687-4f45-9708-019B960494DF}">
-              <a14:hiddenLine xmlns="" xmlns:a14="http://schemas.microsoft.com/office/drawing/2010/main" w="9525">
+              <a14:hiddenLine xmlns:a14="http://schemas.microsoft.com/office/drawing/2010/main" xmlns="" w="9525">
                 <a:solidFill>
                   <a:srgbClr val="000000"/>
                 </a:solidFill>
@@ -4666,7 +4921,7 @@
               </a14:hiddenLine>
             </a:ext>
             <a:ext uri="{FAA26D3D-D897-4be2-8F04-BA451C77F1D7}">
-              <ma14:placeholderFlag xmlns="" xmlns:ma14="http://schemas.microsoft.com/office/mac/drawingml/2011/main" val="1"/>
+              <ma14:placeholderFlag xmlns:ma14="http://schemas.microsoft.com/office/mac/drawingml/2011/main" xmlns="" val="1"/>
             </a:ext>
           </a:extLst>
         </p:spPr>
@@ -4710,14 +4965,14 @@
           </a:ln>
           <a:extLst>
             <a:ext uri="{909E8E84-426E-40dd-AFC4-6F175D3DCCD1}">
-              <a14:hiddenFill xmlns="" xmlns:a14="http://schemas.microsoft.com/office/drawing/2010/main">
+              <a14:hiddenFill xmlns:a14="http://schemas.microsoft.com/office/drawing/2010/main" xmlns="">
                 <a:solidFill>
                   <a:srgbClr val="FFFFFF"/>
                 </a:solidFill>
               </a14:hiddenFill>
             </a:ext>
             <a:ext uri="{91240B29-F687-4f45-9708-019B960494DF}">
-              <a14:hiddenLine xmlns="" xmlns:a14="http://schemas.microsoft.com/office/drawing/2010/main" w="9525">
+              <a14:hiddenLine xmlns:a14="http://schemas.microsoft.com/office/drawing/2010/main" xmlns="" w="9525">
                 <a:solidFill>
                   <a:srgbClr val="000000"/>
                 </a:solidFill>
@@ -4727,7 +4982,7 @@
               </a14:hiddenLine>
             </a:ext>
             <a:ext uri="{FAA26D3D-D897-4be2-8F04-BA451C77F1D7}">
-              <ma14:placeholderFlag xmlns="" xmlns:ma14="http://schemas.microsoft.com/office/mac/drawingml/2011/main" val="1"/>
+              <ma14:placeholderFlag xmlns:ma14="http://schemas.microsoft.com/office/mac/drawingml/2011/main" xmlns="" val="1"/>
             </a:ext>
           </a:extLst>
         </p:spPr>
@@ -4863,14 +5118,14 @@
           </a:ln>
           <a:extLst>
             <a:ext uri="{909E8E84-426E-40dd-AFC4-6F175D3DCCD1}">
-              <a14:hiddenFill xmlns="" xmlns:a14="http://schemas.microsoft.com/office/drawing/2010/main">
+              <a14:hiddenFill xmlns:a14="http://schemas.microsoft.com/office/drawing/2010/main" xmlns="">
                 <a:solidFill>
                   <a:srgbClr val="FFFFFF"/>
                 </a:solidFill>
               </a14:hiddenFill>
             </a:ext>
             <a:ext uri="{91240B29-F687-4f45-9708-019B960494DF}">
-              <a14:hiddenLine xmlns="" xmlns:a14="http://schemas.microsoft.com/office/drawing/2010/main" w="9525">
+              <a14:hiddenLine xmlns:a14="http://schemas.microsoft.com/office/drawing/2010/main" xmlns="" w="9525">
                 <a:solidFill>
                   <a:srgbClr val="000000"/>
                 </a:solidFill>
@@ -5720,14 +5975,14 @@
           </a:ln>
           <a:extLst>
             <a:ext uri="{909E8E84-426E-40dd-AFC4-6F175D3DCCD1}">
-              <a14:hiddenFill xmlns="" xmlns:a14="http://schemas.microsoft.com/office/drawing/2010/main">
+              <a14:hiddenFill xmlns:a14="http://schemas.microsoft.com/office/drawing/2010/main" xmlns="">
                 <a:solidFill>
                   <a:srgbClr val="FFFFFF"/>
                 </a:solidFill>
               </a14:hiddenFill>
             </a:ext>
             <a:ext uri="{91240B29-F687-4f45-9708-019B960494DF}">
-              <a14:hiddenLine xmlns="" xmlns:a14="http://schemas.microsoft.com/office/drawing/2010/main" w="9525">
+              <a14:hiddenLine xmlns:a14="http://schemas.microsoft.com/office/drawing/2010/main" xmlns="" w="9525">
                 <a:solidFill>
                   <a:srgbClr val="000000"/>
                 </a:solidFill>
@@ -5941,14 +6196,14 @@
           </a:ln>
           <a:extLst>
             <a:ext uri="{909E8E84-426E-40dd-AFC4-6F175D3DCCD1}">
-              <a14:hiddenFill xmlns:a14="http://schemas.microsoft.com/office/drawing/2010/main" xmlns="">
+              <a14:hiddenFill xmlns="" xmlns:a14="http://schemas.microsoft.com/office/drawing/2010/main">
                 <a:solidFill>
                   <a:srgbClr val="FFFFFF"/>
                 </a:solidFill>
               </a14:hiddenFill>
             </a:ext>
             <a:ext uri="{91240B29-F687-4f45-9708-019B960494DF}">
-              <a14:hiddenLine xmlns:a14="http://schemas.microsoft.com/office/drawing/2010/main" xmlns="" w="9525">
+              <a14:hiddenLine xmlns="" xmlns:a14="http://schemas.microsoft.com/office/drawing/2010/main" w="9525">
                 <a:solidFill>
                   <a:srgbClr val="000000"/>
                 </a:solidFill>
@@ -6672,14 +6927,14 @@
           </a:ln>
           <a:extLst>
             <a:ext uri="{909E8E84-426E-40dd-AFC4-6F175D3DCCD1}">
-              <a14:hiddenFill xmlns="" xmlns:a14="http://schemas.microsoft.com/office/drawing/2010/main">
+              <a14:hiddenFill xmlns:a14="http://schemas.microsoft.com/office/drawing/2010/main" xmlns="">
                 <a:solidFill>
                   <a:srgbClr val="FFFFFF"/>
                 </a:solidFill>
               </a14:hiddenFill>
             </a:ext>
             <a:ext uri="{91240B29-F687-4f45-9708-019B960494DF}">
-              <a14:hiddenLine xmlns="" xmlns:a14="http://schemas.microsoft.com/office/drawing/2010/main" w="9525">
+              <a14:hiddenLine xmlns:a14="http://schemas.microsoft.com/office/drawing/2010/main" xmlns="" w="9525">
                 <a:solidFill>
                   <a:srgbClr val="000000"/>
                 </a:solidFill>
@@ -7157,42 +7412,6 @@
           <a:chExt cx="0" cy="0"/>
         </a:xfrm>
       </p:grpSpPr>
-      <p:sp>
-        <p:nvSpPr>
-          <p:cNvPr id="2" name="Title 1">
-            <a:extLst>
-              <a:ext uri="{FF2B5EF4-FFF2-40B4-BE49-F238E27FC236}">
-                <a16:creationId xmlns:a16="http://schemas.microsoft.com/office/drawing/2014/main" id="{AFD05EFD-2B84-4C44-814D-5233DF02B1E7}"/>
-              </a:ext>
-            </a:extLst>
-          </p:cNvPr>
-          <p:cNvSpPr>
-            <a:spLocks noGrp="1"/>
-          </p:cNvSpPr>
-          <p:nvPr>
-            <p:ph type="title"/>
-          </p:nvPr>
-        </p:nvSpPr>
-        <p:spPr/>
-        <p:txBody>
-          <a:bodyPr/>
-          <a:lstStyle/>
-          <a:p>
-            <a:r>
-              <a:rPr lang="en-US" dirty="0"/>
-              <a:t>Examples of RNA-</a:t>
-            </a:r>
-            <a:r>
-              <a:rPr lang="en-US" dirty="0" err="1"/>
-              <a:t>seq</a:t>
-            </a:r>
-            <a:r>
-              <a:rPr lang="en-US" dirty="0"/>
-              <a:t> data analysis workflows for differential gene expression</a:t>
-            </a:r>
-          </a:p>
-        </p:txBody>
-      </p:sp>
       <p:pic>
         <p:nvPicPr>
           <p:cNvPr id="5" name="Content Placeholder 4">
@@ -7223,11 +7442,47 @@
         </p:blipFill>
         <p:spPr>
           <a:xfrm>
-            <a:off x="2017839" y="1600200"/>
+            <a:off x="2044135" y="1584920"/>
             <a:ext cx="8156321" cy="4724400"/>
           </a:xfrm>
         </p:spPr>
       </p:pic>
+      <p:sp>
+        <p:nvSpPr>
+          <p:cNvPr id="2" name="Title 1">
+            <a:extLst>
+              <a:ext uri="{FF2B5EF4-FFF2-40B4-BE49-F238E27FC236}">
+                <a16:creationId xmlns:a16="http://schemas.microsoft.com/office/drawing/2014/main" id="{AFD05EFD-2B84-4C44-814D-5233DF02B1E7}"/>
+              </a:ext>
+            </a:extLst>
+          </p:cNvPr>
+          <p:cNvSpPr>
+            <a:spLocks noGrp="1"/>
+          </p:cNvSpPr>
+          <p:nvPr>
+            <p:ph type="title"/>
+          </p:nvPr>
+        </p:nvSpPr>
+        <p:spPr/>
+        <p:txBody>
+          <a:bodyPr/>
+          <a:lstStyle/>
+          <a:p>
+            <a:r>
+              <a:rPr lang="en-US" dirty="0"/>
+              <a:t>Examples of RNA-</a:t>
+            </a:r>
+            <a:r>
+              <a:rPr lang="en-US" dirty="0" err="1"/>
+              <a:t>seq</a:t>
+            </a:r>
+            <a:r>
+              <a:rPr lang="en-US" dirty="0"/>
+              <a:t> data analysis workflows for differential gene expression</a:t>
+            </a:r>
+          </a:p>
+        </p:txBody>
+      </p:sp>
       <p:sp>
         <p:nvSpPr>
           <p:cNvPr id="6" name="TextBox 5">
@@ -7267,6 +7522,405 @@
           </a:p>
         </p:txBody>
       </p:sp>
+      <p:sp>
+        <p:nvSpPr>
+          <p:cNvPr id="8" name="5-Point Star 7">
+            <a:extLst>
+              <a:ext uri="{FF2B5EF4-FFF2-40B4-BE49-F238E27FC236}">
+                <a16:creationId xmlns:a16="http://schemas.microsoft.com/office/drawing/2014/main" id="{11A52ED3-7911-344E-B584-FF5A9BEAD41A}"/>
+              </a:ext>
+            </a:extLst>
+          </p:cNvPr>
+          <p:cNvSpPr/>
+          <p:nvPr/>
+        </p:nvSpPr>
+        <p:spPr>
+          <a:xfrm>
+            <a:off x="3881919" y="2661135"/>
+            <a:ext cx="72008" cy="72008"/>
+          </a:xfrm>
+          <a:prstGeom prst="star5">
+            <a:avLst/>
+          </a:prstGeom>
+          <a:solidFill>
+            <a:schemeClr val="accent2"/>
+          </a:solidFill>
+          <a:ln>
+            <a:noFill/>
+          </a:ln>
+        </p:spPr>
+        <p:style>
+          <a:lnRef idx="2">
+            <a:schemeClr val="accent1">
+              <a:shade val="50000"/>
+            </a:schemeClr>
+          </a:lnRef>
+          <a:fillRef idx="1">
+            <a:schemeClr val="accent1"/>
+          </a:fillRef>
+          <a:effectRef idx="0">
+            <a:schemeClr val="accent1"/>
+          </a:effectRef>
+          <a:fontRef idx="minor">
+            <a:schemeClr val="lt1"/>
+          </a:fontRef>
+        </p:style>
+        <p:txBody>
+          <a:bodyPr rtlCol="0" anchor="ctr"/>
+          <a:lstStyle/>
+          <a:p>
+            <a:pPr algn="ctr"/>
+            <a:endParaRPr lang="en-US"/>
+          </a:p>
+        </p:txBody>
+      </p:sp>
+      <p:sp>
+        <p:nvSpPr>
+          <p:cNvPr id="9" name="5-Point Star 8">
+            <a:extLst>
+              <a:ext uri="{FF2B5EF4-FFF2-40B4-BE49-F238E27FC236}">
+                <a16:creationId xmlns:a16="http://schemas.microsoft.com/office/drawing/2014/main" id="{4805BC12-4755-4A48-9D92-62DC0B9E86EA}"/>
+              </a:ext>
+            </a:extLst>
+          </p:cNvPr>
+          <p:cNvSpPr/>
+          <p:nvPr/>
+        </p:nvSpPr>
+        <p:spPr>
+          <a:xfrm>
+            <a:off x="5790782" y="5229200"/>
+            <a:ext cx="72008" cy="72008"/>
+          </a:xfrm>
+          <a:prstGeom prst="star5">
+            <a:avLst/>
+          </a:prstGeom>
+          <a:solidFill>
+            <a:schemeClr val="accent2"/>
+          </a:solidFill>
+          <a:ln>
+            <a:noFill/>
+          </a:ln>
+        </p:spPr>
+        <p:style>
+          <a:lnRef idx="2">
+            <a:schemeClr val="accent1">
+              <a:shade val="50000"/>
+            </a:schemeClr>
+          </a:lnRef>
+          <a:fillRef idx="1">
+            <a:schemeClr val="accent1"/>
+          </a:fillRef>
+          <a:effectRef idx="0">
+            <a:schemeClr val="accent1"/>
+          </a:effectRef>
+          <a:fontRef idx="minor">
+            <a:schemeClr val="lt1"/>
+          </a:fontRef>
+        </p:style>
+        <p:txBody>
+          <a:bodyPr rtlCol="0" anchor="ctr"/>
+          <a:lstStyle/>
+          <a:p>
+            <a:pPr algn="ctr"/>
+            <a:endParaRPr lang="en-US"/>
+          </a:p>
+        </p:txBody>
+      </p:sp>
+      <p:sp>
+        <p:nvSpPr>
+          <p:cNvPr id="10" name="5-Point Star 9">
+            <a:extLst>
+              <a:ext uri="{FF2B5EF4-FFF2-40B4-BE49-F238E27FC236}">
+                <a16:creationId xmlns:a16="http://schemas.microsoft.com/office/drawing/2014/main" id="{2F3EEFEA-E8A3-6747-A484-FE0B6624EF5A}"/>
+              </a:ext>
+            </a:extLst>
+          </p:cNvPr>
+          <p:cNvSpPr/>
+          <p:nvPr/>
+        </p:nvSpPr>
+        <p:spPr>
+          <a:xfrm>
+            <a:off x="3701260" y="3800603"/>
+            <a:ext cx="72008" cy="72008"/>
+          </a:xfrm>
+          <a:prstGeom prst="star5">
+            <a:avLst/>
+          </a:prstGeom>
+          <a:solidFill>
+            <a:schemeClr val="accent2"/>
+          </a:solidFill>
+          <a:ln>
+            <a:noFill/>
+          </a:ln>
+        </p:spPr>
+        <p:style>
+          <a:lnRef idx="2">
+            <a:schemeClr val="accent1">
+              <a:shade val="50000"/>
+            </a:schemeClr>
+          </a:lnRef>
+          <a:fillRef idx="1">
+            <a:schemeClr val="accent1"/>
+          </a:fillRef>
+          <a:effectRef idx="0">
+            <a:schemeClr val="accent1"/>
+          </a:effectRef>
+          <a:fontRef idx="minor">
+            <a:schemeClr val="lt1"/>
+          </a:fontRef>
+        </p:style>
+        <p:txBody>
+          <a:bodyPr rtlCol="0" anchor="ctr"/>
+          <a:lstStyle/>
+          <a:p>
+            <a:pPr algn="ctr"/>
+            <a:endParaRPr lang="en-US"/>
+          </a:p>
+        </p:txBody>
+      </p:sp>
+      <p:sp>
+        <p:nvSpPr>
+          <p:cNvPr id="11" name="5-Point Star 10">
+            <a:extLst>
+              <a:ext uri="{FF2B5EF4-FFF2-40B4-BE49-F238E27FC236}">
+                <a16:creationId xmlns:a16="http://schemas.microsoft.com/office/drawing/2014/main" id="{E6C050EF-0900-964A-A7D5-A2929C7063A7}"/>
+              </a:ext>
+            </a:extLst>
+          </p:cNvPr>
+          <p:cNvSpPr/>
+          <p:nvPr/>
+        </p:nvSpPr>
+        <p:spPr>
+          <a:xfrm>
+            <a:off x="5826786" y="3092094"/>
+            <a:ext cx="72008" cy="72008"/>
+          </a:xfrm>
+          <a:prstGeom prst="star5">
+            <a:avLst/>
+          </a:prstGeom>
+          <a:solidFill>
+            <a:schemeClr val="accent2"/>
+          </a:solidFill>
+          <a:ln>
+            <a:noFill/>
+          </a:ln>
+        </p:spPr>
+        <p:style>
+          <a:lnRef idx="2">
+            <a:schemeClr val="accent1">
+              <a:shade val="50000"/>
+            </a:schemeClr>
+          </a:lnRef>
+          <a:fillRef idx="1">
+            <a:schemeClr val="accent1"/>
+          </a:fillRef>
+          <a:effectRef idx="0">
+            <a:schemeClr val="accent1"/>
+          </a:effectRef>
+          <a:fontRef idx="minor">
+            <a:schemeClr val="lt1"/>
+          </a:fontRef>
+        </p:style>
+        <p:txBody>
+          <a:bodyPr rtlCol="0" anchor="ctr"/>
+          <a:lstStyle/>
+          <a:p>
+            <a:pPr algn="ctr"/>
+            <a:endParaRPr lang="en-US"/>
+          </a:p>
+        </p:txBody>
+      </p:sp>
+      <p:sp>
+        <p:nvSpPr>
+          <p:cNvPr id="12" name="5-Point Star 11">
+            <a:extLst>
+              <a:ext uri="{FF2B5EF4-FFF2-40B4-BE49-F238E27FC236}">
+                <a16:creationId xmlns:a16="http://schemas.microsoft.com/office/drawing/2014/main" id="{DE2FC296-8FCA-E24A-A840-B999B49A78DB}"/>
+              </a:ext>
+            </a:extLst>
+          </p:cNvPr>
+          <p:cNvSpPr/>
+          <p:nvPr/>
+        </p:nvSpPr>
+        <p:spPr>
+          <a:xfrm>
+            <a:off x="3722192" y="4805837"/>
+            <a:ext cx="72008" cy="72008"/>
+          </a:xfrm>
+          <a:prstGeom prst="star5">
+            <a:avLst/>
+          </a:prstGeom>
+          <a:solidFill>
+            <a:schemeClr val="accent2"/>
+          </a:solidFill>
+          <a:ln>
+            <a:noFill/>
+          </a:ln>
+        </p:spPr>
+        <p:style>
+          <a:lnRef idx="2">
+            <a:schemeClr val="accent1">
+              <a:shade val="50000"/>
+            </a:schemeClr>
+          </a:lnRef>
+          <a:fillRef idx="1">
+            <a:schemeClr val="accent1"/>
+          </a:fillRef>
+          <a:effectRef idx="0">
+            <a:schemeClr val="accent1"/>
+          </a:effectRef>
+          <a:fontRef idx="minor">
+            <a:schemeClr val="lt1"/>
+          </a:fontRef>
+        </p:style>
+        <p:txBody>
+          <a:bodyPr rtlCol="0" anchor="ctr"/>
+          <a:lstStyle/>
+          <a:p>
+            <a:pPr algn="ctr"/>
+            <a:endParaRPr lang="en-US"/>
+          </a:p>
+        </p:txBody>
+      </p:sp>
+      <p:sp>
+        <p:nvSpPr>
+          <p:cNvPr id="14" name="5-Point Star 13">
+            <a:extLst>
+              <a:ext uri="{FF2B5EF4-FFF2-40B4-BE49-F238E27FC236}">
+                <a16:creationId xmlns:a16="http://schemas.microsoft.com/office/drawing/2014/main" id="{DA25B287-8DB0-D843-AB46-317A3064C707}"/>
+              </a:ext>
+            </a:extLst>
+          </p:cNvPr>
+          <p:cNvSpPr/>
+          <p:nvPr/>
+        </p:nvSpPr>
+        <p:spPr>
+          <a:xfrm>
+            <a:off x="8557875" y="3455433"/>
+            <a:ext cx="72008" cy="72008"/>
+          </a:xfrm>
+          <a:prstGeom prst="star5">
+            <a:avLst/>
+          </a:prstGeom>
+          <a:solidFill>
+            <a:schemeClr val="accent2"/>
+          </a:solidFill>
+          <a:ln>
+            <a:noFill/>
+          </a:ln>
+        </p:spPr>
+        <p:style>
+          <a:lnRef idx="2">
+            <a:schemeClr val="accent1">
+              <a:shade val="50000"/>
+            </a:schemeClr>
+          </a:lnRef>
+          <a:fillRef idx="1">
+            <a:schemeClr val="accent1"/>
+          </a:fillRef>
+          <a:effectRef idx="0">
+            <a:schemeClr val="accent1"/>
+          </a:effectRef>
+          <a:fontRef idx="minor">
+            <a:schemeClr val="lt1"/>
+          </a:fontRef>
+        </p:style>
+        <p:txBody>
+          <a:bodyPr rtlCol="0" anchor="ctr"/>
+          <a:lstStyle/>
+          <a:p>
+            <a:pPr algn="ctr"/>
+            <a:endParaRPr lang="en-US"/>
+          </a:p>
+        </p:txBody>
+      </p:sp>
+      <p:sp>
+        <p:nvSpPr>
+          <p:cNvPr id="15" name="5-Point Star 14">
+            <a:extLst>
+              <a:ext uri="{FF2B5EF4-FFF2-40B4-BE49-F238E27FC236}">
+                <a16:creationId xmlns:a16="http://schemas.microsoft.com/office/drawing/2014/main" id="{8AEB5E67-0862-D240-B1DE-1D8E9D306FA0}"/>
+              </a:ext>
+            </a:extLst>
+          </p:cNvPr>
+          <p:cNvSpPr/>
+          <p:nvPr/>
+        </p:nvSpPr>
+        <p:spPr>
+          <a:xfrm>
+            <a:off x="10061393" y="5906206"/>
+            <a:ext cx="216024" cy="216024"/>
+          </a:xfrm>
+          <a:prstGeom prst="star5">
+            <a:avLst/>
+          </a:prstGeom>
+          <a:solidFill>
+            <a:schemeClr val="accent2"/>
+          </a:solidFill>
+          <a:ln>
+            <a:noFill/>
+          </a:ln>
+        </p:spPr>
+        <p:style>
+          <a:lnRef idx="2">
+            <a:schemeClr val="accent1">
+              <a:shade val="50000"/>
+            </a:schemeClr>
+          </a:lnRef>
+          <a:fillRef idx="1">
+            <a:schemeClr val="accent1"/>
+          </a:fillRef>
+          <a:effectRef idx="0">
+            <a:schemeClr val="accent1"/>
+          </a:effectRef>
+          <a:fontRef idx="minor">
+            <a:schemeClr val="lt1"/>
+          </a:fontRef>
+        </p:style>
+        <p:txBody>
+          <a:bodyPr rtlCol="0" anchor="ctr"/>
+          <a:lstStyle/>
+          <a:p>
+            <a:pPr algn="ctr"/>
+            <a:endParaRPr lang="en-US"/>
+          </a:p>
+        </p:txBody>
+      </p:sp>
+      <p:sp>
+        <p:nvSpPr>
+          <p:cNvPr id="16" name="TextBox 15">
+            <a:extLst>
+              <a:ext uri="{FF2B5EF4-FFF2-40B4-BE49-F238E27FC236}">
+                <a16:creationId xmlns:a16="http://schemas.microsoft.com/office/drawing/2014/main" id="{0BE0E3D1-5DA1-DB47-AB25-857C746577F7}"/>
+              </a:ext>
+            </a:extLst>
+          </p:cNvPr>
+          <p:cNvSpPr txBox="1"/>
+          <p:nvPr/>
+        </p:nvSpPr>
+        <p:spPr>
+          <a:xfrm>
+            <a:off x="10200456" y="5877272"/>
+            <a:ext cx="1965603" cy="307777"/>
+          </a:xfrm>
+          <a:prstGeom prst="rect">
+            <a:avLst/>
+          </a:prstGeom>
+          <a:noFill/>
+        </p:spPr>
+        <p:txBody>
+          <a:bodyPr wrap="none" rtlCol="0">
+            <a:spAutoFit/>
+          </a:bodyPr>
+          <a:lstStyle/>
+          <a:p>
+            <a:r>
+              <a:rPr lang="en-US" sz="1400" dirty="0"/>
+              <a:t>Covered in this course</a:t>
+            </a:r>
+          </a:p>
+        </p:txBody>
+      </p:sp>
     </p:spTree>
     <p:extLst>
       <p:ext uri="{BB962C8B-B14F-4D97-AF65-F5344CB8AC3E}">
@@ -7281,6 +7935,180 @@
 </file>
 
 <file path=ppt/slides/slide17.xml><?xml version="1.0" encoding="utf-8"?>
+<p:sld xmlns:a="http://schemas.openxmlformats.org/drawingml/2006/main" xmlns:r="http://schemas.openxmlformats.org/officeDocument/2006/relationships" xmlns:p="http://schemas.openxmlformats.org/presentationml/2006/main">
+  <p:cSld>
+    <p:spTree>
+      <p:nvGrpSpPr>
+        <p:cNvPr id="1" name=""/>
+        <p:cNvGrpSpPr/>
+        <p:nvPr/>
+      </p:nvGrpSpPr>
+      <p:grpSpPr>
+        <a:xfrm>
+          <a:off x="0" y="0"/>
+          <a:ext cx="0" cy="0"/>
+          <a:chOff x="0" y="0"/>
+          <a:chExt cx="0" cy="0"/>
+        </a:xfrm>
+      </p:grpSpPr>
+      <p:sp>
+        <p:nvSpPr>
+          <p:cNvPr id="2" name="Title 1">
+            <a:extLst>
+              <a:ext uri="{FF2B5EF4-FFF2-40B4-BE49-F238E27FC236}">
+                <a16:creationId xmlns:a16="http://schemas.microsoft.com/office/drawing/2014/main" id="{ABD4AA68-9E05-CA40-B672-7553CDBBFCE7}"/>
+              </a:ext>
+            </a:extLst>
+          </p:cNvPr>
+          <p:cNvSpPr>
+            <a:spLocks noGrp="1"/>
+          </p:cNvSpPr>
+          <p:nvPr>
+            <p:ph type="title"/>
+          </p:nvPr>
+        </p:nvSpPr>
+        <p:spPr>
+          <a:xfrm>
+            <a:off x="203200" y="-18256"/>
+            <a:ext cx="11785600" cy="1143000"/>
+          </a:xfrm>
+        </p:spPr>
+        <p:txBody>
+          <a:bodyPr/>
+          <a:lstStyle/>
+          <a:p>
+            <a:r>
+              <a:rPr lang="en-US" dirty="0"/>
+              <a:t>Discussion of bulk vs single cell RNA-</a:t>
+            </a:r>
+            <a:r>
+              <a:rPr lang="en-US" dirty="0" err="1"/>
+              <a:t>seq</a:t>
+            </a:r>
+            <a:endParaRPr lang="en-US" dirty="0"/>
+          </a:p>
+        </p:txBody>
+      </p:sp>
+      <p:pic>
+        <p:nvPicPr>
+          <p:cNvPr id="5" name="Picture 4">
+            <a:extLst>
+              <a:ext uri="{FF2B5EF4-FFF2-40B4-BE49-F238E27FC236}">
+                <a16:creationId xmlns:a16="http://schemas.microsoft.com/office/drawing/2014/main" id="{53BC38A9-CDDE-8647-B7B4-1B0068790CA9}"/>
+              </a:ext>
+            </a:extLst>
+          </p:cNvPr>
+          <p:cNvPicPr>
+            <a:picLocks noChangeAspect="1"/>
+          </p:cNvPicPr>
+          <p:nvPr/>
+        </p:nvPicPr>
+        <p:blipFill>
+          <a:blip r:embed="rId3">
+            <a:extLst>
+              <a:ext uri="{28A0092B-C50C-407E-A947-70E740481C1C}">
+                <a14:useLocalDpi xmlns:a14="http://schemas.microsoft.com/office/drawing/2010/main" val="0"/>
+              </a:ext>
+            </a:extLst>
+          </a:blip>
+          <a:stretch>
+            <a:fillRect/>
+          </a:stretch>
+        </p:blipFill>
+        <p:spPr>
+          <a:xfrm>
+            <a:off x="360040" y="980728"/>
+            <a:ext cx="10056440" cy="4524599"/>
+          </a:xfrm>
+          <a:prstGeom prst="rect">
+            <a:avLst/>
+          </a:prstGeom>
+        </p:spPr>
+      </p:pic>
+      <p:sp>
+        <p:nvSpPr>
+          <p:cNvPr id="6" name="TextBox 5">
+            <a:extLst>
+              <a:ext uri="{FF2B5EF4-FFF2-40B4-BE49-F238E27FC236}">
+                <a16:creationId xmlns:a16="http://schemas.microsoft.com/office/drawing/2014/main" id="{62328D98-D6FD-A14C-8210-3B33FB2FCB23}"/>
+              </a:ext>
+            </a:extLst>
+          </p:cNvPr>
+          <p:cNvSpPr txBox="1"/>
+          <p:nvPr/>
+        </p:nvSpPr>
+        <p:spPr>
+          <a:xfrm>
+            <a:off x="360040" y="1412776"/>
+            <a:ext cx="1951175" cy="276999"/>
+          </a:xfrm>
+          <a:prstGeom prst="rect">
+            <a:avLst/>
+          </a:prstGeom>
+          <a:noFill/>
+        </p:spPr>
+        <p:txBody>
+          <a:bodyPr wrap="none" rtlCol="0">
+            <a:spAutoFit/>
+          </a:bodyPr>
+          <a:lstStyle/>
+          <a:p>
+            <a:r>
+              <a:rPr lang="en-US" sz="1200" dirty="0"/>
+              <a:t>Image from 10x genomics</a:t>
+            </a:r>
+          </a:p>
+        </p:txBody>
+      </p:sp>
+      <p:sp>
+        <p:nvSpPr>
+          <p:cNvPr id="7" name="TextBox 6">
+            <a:extLst>
+              <a:ext uri="{FF2B5EF4-FFF2-40B4-BE49-F238E27FC236}">
+                <a16:creationId xmlns:a16="http://schemas.microsoft.com/office/drawing/2014/main" id="{CBB50860-32E0-6849-8907-DCDF0C4BEDB1}"/>
+              </a:ext>
+            </a:extLst>
+          </p:cNvPr>
+          <p:cNvSpPr txBox="1"/>
+          <p:nvPr/>
+        </p:nvSpPr>
+        <p:spPr>
+          <a:xfrm>
+            <a:off x="335361" y="5589240"/>
+            <a:ext cx="11653440" cy="830997"/>
+          </a:xfrm>
+          <a:prstGeom prst="rect">
+            <a:avLst/>
+          </a:prstGeom>
+          <a:noFill/>
+        </p:spPr>
+        <p:txBody>
+          <a:bodyPr wrap="square" rtlCol="0">
+            <a:spAutoFit/>
+          </a:bodyPr>
+          <a:lstStyle/>
+          <a:p>
+            <a:r>
+              <a:rPr lang="en-US" dirty="0"/>
+              <a:t>Factors to compare: Cost, complexity of library prep, complexity of analysis, qualitative and quantitative differences in richness of information obtained.  </a:t>
+            </a:r>
+          </a:p>
+        </p:txBody>
+      </p:sp>
+    </p:spTree>
+    <p:extLst>
+      <p:ext uri="{BB962C8B-B14F-4D97-AF65-F5344CB8AC3E}">
+        <p14:creationId xmlns:p14="http://schemas.microsoft.com/office/powerpoint/2010/main" val="190553584"/>
+      </p:ext>
+    </p:extLst>
+  </p:cSld>
+  <p:clrMapOvr>
+    <a:masterClrMapping/>
+  </p:clrMapOvr>
+</p:sld>
+</file>
+
+<file path=ppt/slides/slide18.xml><?xml version="1.0" encoding="utf-8"?>
 <p:sld xmlns:a="http://schemas.openxmlformats.org/drawingml/2006/main" xmlns:r="http://schemas.openxmlformats.org/officeDocument/2006/relationships" xmlns:p="http://schemas.openxmlformats.org/presentationml/2006/main">
   <p:cSld>
     <p:spTree>
@@ -7381,7 +8209,7 @@
 </p:sld>
 </file>
 
-<file path=ppt/slides/slide18.xml><?xml version="1.0" encoding="utf-8"?>
+<file path=ppt/slides/slide19.xml><?xml version="1.0" encoding="utf-8"?>
 <p:sld xmlns:a="http://schemas.openxmlformats.org/drawingml/2006/main" xmlns:r="http://schemas.openxmlformats.org/officeDocument/2006/relationships" xmlns:p="http://schemas.openxmlformats.org/presentationml/2006/main">
   <p:cSld>
     <p:spTree>
@@ -7458,7 +8286,234 @@
 </p:sld>
 </file>
 
-<file path=ppt/slides/slide19.xml><?xml version="1.0" encoding="utf-8"?>
+<file path=ppt/slides/slide2.xml><?xml version="1.0" encoding="utf-8"?>
+<p:sld xmlns:a="http://schemas.openxmlformats.org/drawingml/2006/main" xmlns:r="http://schemas.openxmlformats.org/officeDocument/2006/relationships" xmlns:p="http://schemas.openxmlformats.org/presentationml/2006/main">
+  <p:cSld>
+    <p:spTree>
+      <p:nvGrpSpPr>
+        <p:cNvPr id="1" name=""/>
+        <p:cNvGrpSpPr/>
+        <p:nvPr/>
+      </p:nvGrpSpPr>
+      <p:grpSpPr>
+        <a:xfrm>
+          <a:off x="0" y="0"/>
+          <a:ext cx="0" cy="0"/>
+          <a:chOff x="0" y="0"/>
+          <a:chExt cx="0" cy="0"/>
+        </a:xfrm>
+      </p:grpSpPr>
+      <p:sp>
+        <p:nvSpPr>
+          <p:cNvPr id="12289" name="Title 1"/>
+          <p:cNvSpPr>
+            <a:spLocks noGrp="1"/>
+          </p:cNvSpPr>
+          <p:nvPr>
+            <p:ph type="title"/>
+          </p:nvPr>
+        </p:nvSpPr>
+        <p:spPr>
+          <a:xfrm>
+            <a:off x="1676400" y="-26988"/>
+            <a:ext cx="8839200" cy="1143001"/>
+          </a:xfrm>
+        </p:spPr>
+        <p:txBody>
+          <a:bodyPr/>
+          <a:lstStyle/>
+          <a:p>
+            <a:r>
+              <a:rPr lang="en-US" dirty="0">
+                <a:latin typeface="Calibri" charset="0"/>
+                <a:ea typeface="ＭＳ Ｐゴシック" charset="0"/>
+              </a:rPr>
+              <a:t>Learning objectives of the course</a:t>
+            </a:r>
+          </a:p>
+        </p:txBody>
+      </p:sp>
+      <p:sp>
+        <p:nvSpPr>
+          <p:cNvPr id="3" name="Content Placeholder 2"/>
+          <p:cNvSpPr>
+            <a:spLocks noGrp="1"/>
+          </p:cNvSpPr>
+          <p:nvPr>
+            <p:ph idx="1"/>
+          </p:nvPr>
+        </p:nvSpPr>
+        <p:spPr>
+          <a:xfrm>
+            <a:off x="551384" y="1116013"/>
+            <a:ext cx="10873208" cy="5193307"/>
+          </a:xfrm>
+        </p:spPr>
+        <p:txBody>
+          <a:bodyPr>
+            <a:normAutofit/>
+          </a:bodyPr>
+          <a:lstStyle/>
+          <a:p>
+            <a:pPr>
+              <a:defRPr/>
+            </a:pPr>
+            <a:r>
+              <a:rPr lang="en-US" b="1" dirty="0"/>
+              <a:t>Module 1: Introduction to RNA Sequencing</a:t>
+            </a:r>
+          </a:p>
+          <a:p>
+            <a:pPr>
+              <a:defRPr/>
+            </a:pPr>
+            <a:r>
+              <a:rPr lang="en-US" dirty="0"/>
+              <a:t>Module 2: Alignment and Visualization</a:t>
+            </a:r>
+          </a:p>
+          <a:p>
+            <a:pPr>
+              <a:defRPr/>
+            </a:pPr>
+            <a:r>
+              <a:rPr lang="en-US" dirty="0"/>
+              <a:t>Module 3: Expression and Differential Expression</a:t>
+            </a:r>
+          </a:p>
+          <a:p>
+            <a:pPr>
+              <a:defRPr/>
+            </a:pPr>
+            <a:r>
+              <a:rPr lang="en-US" dirty="0"/>
+              <a:t>Module 4: Alignment Free Expression Estimation</a:t>
+            </a:r>
+          </a:p>
+          <a:p>
+            <a:pPr>
+              <a:defRPr/>
+            </a:pPr>
+            <a:r>
+              <a:rPr lang="en-US" dirty="0"/>
+              <a:t>Module 5: Single Cell RNA-</a:t>
+            </a:r>
+            <a:r>
+              <a:rPr lang="en-US" dirty="0" err="1"/>
+              <a:t>Seq</a:t>
+            </a:r>
+            <a:endParaRPr lang="en-US" dirty="0"/>
+          </a:p>
+          <a:p>
+            <a:pPr marL="0" indent="0">
+              <a:buNone/>
+              <a:defRPr/>
+            </a:pPr>
+            <a:endParaRPr lang="en-US" dirty="0"/>
+          </a:p>
+          <a:p>
+            <a:pPr>
+              <a:defRPr/>
+            </a:pPr>
+            <a:r>
+              <a:rPr lang="en-US" dirty="0"/>
+              <a:t>Tutorials</a:t>
+            </a:r>
+          </a:p>
+          <a:p>
+            <a:pPr lvl="1">
+              <a:defRPr/>
+            </a:pPr>
+            <a:r>
+              <a:rPr lang="en-US" dirty="0">
+                <a:latin typeface="Calibri" charset="0"/>
+                <a:ea typeface="ＭＳ Ｐゴシック" charset="0"/>
+              </a:rPr>
+              <a:t>Provide a working example of an RNA-</a:t>
+            </a:r>
+            <a:r>
+              <a:rPr lang="en-US" dirty="0" err="1">
+                <a:latin typeface="Calibri" charset="0"/>
+                <a:ea typeface="ＭＳ Ｐゴシック" charset="0"/>
+              </a:rPr>
+              <a:t>seq</a:t>
+            </a:r>
+            <a:r>
+              <a:rPr lang="en-US" dirty="0">
+                <a:latin typeface="Calibri" charset="0"/>
+                <a:ea typeface="ＭＳ Ｐゴシック" charset="0"/>
+              </a:rPr>
+              <a:t> analysis pipeline</a:t>
+            </a:r>
+          </a:p>
+          <a:p>
+            <a:pPr lvl="1">
+              <a:defRPr/>
+            </a:pPr>
+            <a:r>
+              <a:rPr lang="en-US" dirty="0">
+                <a:latin typeface="Calibri" charset="0"/>
+                <a:ea typeface="ＭＳ Ｐゴシック" charset="0"/>
+              </a:rPr>
+              <a:t>Run in a </a:t>
+            </a:r>
+            <a:r>
+              <a:rPr lang="ja-JP" altLang="en-US" dirty="0">
+                <a:latin typeface="Calibri" charset="0"/>
+                <a:ea typeface="ＭＳ Ｐゴシック" charset="0"/>
+              </a:rPr>
+              <a:t>‘</a:t>
+            </a:r>
+            <a:r>
+              <a:rPr lang="en-US" altLang="ja-JP" dirty="0">
+                <a:latin typeface="Calibri" charset="0"/>
+                <a:ea typeface="ＭＳ Ｐゴシック" charset="0"/>
+              </a:rPr>
+              <a:t>reasonable</a:t>
+            </a:r>
+            <a:r>
+              <a:rPr lang="ja-JP" altLang="en-US" dirty="0">
+                <a:latin typeface="Calibri" charset="0"/>
+                <a:ea typeface="ＭＳ Ｐゴシック" charset="0"/>
+              </a:rPr>
+              <a:t>’</a:t>
+            </a:r>
+            <a:r>
+              <a:rPr lang="en-US" altLang="ja-JP" dirty="0">
+                <a:latin typeface="Calibri" charset="0"/>
+                <a:ea typeface="ＭＳ Ｐゴシック" charset="0"/>
+              </a:rPr>
+              <a:t> amount of time with modest computer resources</a:t>
+            </a:r>
+          </a:p>
+          <a:p>
+            <a:pPr lvl="1">
+              <a:defRPr/>
+            </a:pPr>
+            <a:r>
+              <a:rPr lang="en-US" dirty="0">
+                <a:latin typeface="Calibri" charset="0"/>
+                <a:ea typeface="ＭＳ Ｐゴシック" charset="0"/>
+              </a:rPr>
+              <a:t>Self contained, self explanatory, portable</a:t>
+            </a:r>
+          </a:p>
+        </p:txBody>
+      </p:sp>
+    </p:spTree>
+    <p:extLst>
+      <p:ext uri="{BB962C8B-B14F-4D97-AF65-F5344CB8AC3E}">
+        <p14:creationId xmlns:p14="http://schemas.microsoft.com/office/powerpoint/2010/main" val="1737097002"/>
+      </p:ext>
+    </p:extLst>
+  </p:cSld>
+  <p:clrMapOvr>
+    <a:masterClrMapping/>
+  </p:clrMapOvr>
+</p:sld>
+</file>
+
+<file path=ppt/slides/slide20.xml><?xml version="1.0" encoding="utf-8"?>
 <p:sld xmlns:a="http://schemas.openxmlformats.org/drawingml/2006/main" xmlns:r="http://schemas.openxmlformats.org/officeDocument/2006/relationships" xmlns:p="http://schemas.openxmlformats.org/presentationml/2006/main">
   <p:cSld>
     <p:spTree>
@@ -7598,14 +8653,14 @@
           </a:ln>
           <a:extLst>
             <a:ext uri="{909E8E84-426E-40dd-AFC4-6F175D3DCCD1}">
-              <a14:hiddenFill xmlns="" xmlns:a14="http://schemas.microsoft.com/office/drawing/2010/main">
+              <a14:hiddenFill xmlns:a14="http://schemas.microsoft.com/office/drawing/2010/main" xmlns="">
                 <a:solidFill>
                   <a:srgbClr val="FFFFFF"/>
                 </a:solidFill>
               </a14:hiddenFill>
             </a:ext>
             <a:ext uri="{91240B29-F687-4f45-9708-019B960494DF}">
-              <a14:hiddenLine xmlns="" xmlns:a14="http://schemas.microsoft.com/office/drawing/2010/main" w="9525">
+              <a14:hiddenLine xmlns:a14="http://schemas.microsoft.com/office/drawing/2010/main" xmlns="" w="9525">
                 <a:solidFill>
                   <a:srgbClr val="000000"/>
                 </a:solidFill>
@@ -7741,233 +8796,6 @@
     <p:extLst>
       <p:ext uri="{BB962C8B-B14F-4D97-AF65-F5344CB8AC3E}">
         <p14:creationId xmlns:p14="http://schemas.microsoft.com/office/powerpoint/2010/main" val="700789470"/>
-      </p:ext>
-    </p:extLst>
-  </p:cSld>
-  <p:clrMapOvr>
-    <a:masterClrMapping/>
-  </p:clrMapOvr>
-</p:sld>
-</file>
-
-<file path=ppt/slides/slide2.xml><?xml version="1.0" encoding="utf-8"?>
-<p:sld xmlns:a="http://schemas.openxmlformats.org/drawingml/2006/main" xmlns:r="http://schemas.openxmlformats.org/officeDocument/2006/relationships" xmlns:p="http://schemas.openxmlformats.org/presentationml/2006/main">
-  <p:cSld>
-    <p:spTree>
-      <p:nvGrpSpPr>
-        <p:cNvPr id="1" name=""/>
-        <p:cNvGrpSpPr/>
-        <p:nvPr/>
-      </p:nvGrpSpPr>
-      <p:grpSpPr>
-        <a:xfrm>
-          <a:off x="0" y="0"/>
-          <a:ext cx="0" cy="0"/>
-          <a:chOff x="0" y="0"/>
-          <a:chExt cx="0" cy="0"/>
-        </a:xfrm>
-      </p:grpSpPr>
-      <p:sp>
-        <p:nvSpPr>
-          <p:cNvPr id="12289" name="Title 1"/>
-          <p:cNvSpPr>
-            <a:spLocks noGrp="1"/>
-          </p:cNvSpPr>
-          <p:nvPr>
-            <p:ph type="title"/>
-          </p:nvPr>
-        </p:nvSpPr>
-        <p:spPr>
-          <a:xfrm>
-            <a:off x="1676400" y="-26988"/>
-            <a:ext cx="8839200" cy="1143001"/>
-          </a:xfrm>
-        </p:spPr>
-        <p:txBody>
-          <a:bodyPr/>
-          <a:lstStyle/>
-          <a:p>
-            <a:r>
-              <a:rPr lang="en-US" dirty="0">
-                <a:latin typeface="Calibri" charset="0"/>
-                <a:ea typeface="ＭＳ Ｐゴシック" charset="0"/>
-              </a:rPr>
-              <a:t>Learning objectives of the course</a:t>
-            </a:r>
-          </a:p>
-        </p:txBody>
-      </p:sp>
-      <p:sp>
-        <p:nvSpPr>
-          <p:cNvPr id="3" name="Content Placeholder 2"/>
-          <p:cNvSpPr>
-            <a:spLocks noGrp="1"/>
-          </p:cNvSpPr>
-          <p:nvPr>
-            <p:ph idx="1"/>
-          </p:nvPr>
-        </p:nvSpPr>
-        <p:spPr>
-          <a:xfrm>
-            <a:off x="551384" y="1116013"/>
-            <a:ext cx="10873208" cy="5193307"/>
-          </a:xfrm>
-        </p:spPr>
-        <p:txBody>
-          <a:bodyPr>
-            <a:normAutofit/>
-          </a:bodyPr>
-          <a:lstStyle/>
-          <a:p>
-            <a:pPr>
-              <a:defRPr/>
-            </a:pPr>
-            <a:r>
-              <a:rPr lang="en-US" b="1" dirty="0"/>
-              <a:t>Module 1: Introduction to RNA Sequencing</a:t>
-            </a:r>
-          </a:p>
-          <a:p>
-            <a:pPr>
-              <a:defRPr/>
-            </a:pPr>
-            <a:r>
-              <a:rPr lang="en-US" dirty="0"/>
-              <a:t>Module 2: Alignment and Visualization</a:t>
-            </a:r>
-          </a:p>
-          <a:p>
-            <a:pPr>
-              <a:defRPr/>
-            </a:pPr>
-            <a:r>
-              <a:rPr lang="en-US" dirty="0"/>
-              <a:t>Module 3: Expression and Differential Expression</a:t>
-            </a:r>
-          </a:p>
-          <a:p>
-            <a:pPr>
-              <a:defRPr/>
-            </a:pPr>
-            <a:r>
-              <a:rPr lang="en-US" dirty="0"/>
-              <a:t>Module 4: Alignment Free Expression Estimation</a:t>
-            </a:r>
-          </a:p>
-          <a:p>
-            <a:pPr>
-              <a:defRPr/>
-            </a:pPr>
-            <a:r>
-              <a:rPr lang="en-US" dirty="0"/>
-              <a:t>Module 5: Single Cell RNA-</a:t>
-            </a:r>
-            <a:r>
-              <a:rPr lang="en-US" dirty="0" err="1"/>
-              <a:t>Seq</a:t>
-            </a:r>
-            <a:endParaRPr lang="en-US" dirty="0"/>
-          </a:p>
-          <a:p>
-            <a:pPr marL="0" indent="0">
-              <a:buNone/>
-              <a:defRPr/>
-            </a:pPr>
-            <a:endParaRPr lang="en-US" dirty="0"/>
-          </a:p>
-          <a:p>
-            <a:pPr>
-              <a:defRPr/>
-            </a:pPr>
-            <a:r>
-              <a:rPr lang="en-US" dirty="0"/>
-              <a:t>Tutorials</a:t>
-            </a:r>
-          </a:p>
-          <a:p>
-            <a:pPr lvl="1">
-              <a:defRPr/>
-            </a:pPr>
-            <a:r>
-              <a:rPr lang="en-US" dirty="0">
-                <a:latin typeface="Calibri" charset="0"/>
-                <a:ea typeface="ＭＳ Ｐゴシック" charset="0"/>
-              </a:rPr>
-              <a:t>Provide a working example of an RNA-</a:t>
-            </a:r>
-            <a:r>
-              <a:rPr lang="en-US" dirty="0" err="1">
-                <a:latin typeface="Calibri" charset="0"/>
-                <a:ea typeface="ＭＳ Ｐゴシック" charset="0"/>
-              </a:rPr>
-              <a:t>seq</a:t>
-            </a:r>
-            <a:r>
-              <a:rPr lang="en-US" dirty="0">
-                <a:latin typeface="Calibri" charset="0"/>
-                <a:ea typeface="ＭＳ Ｐゴシック" charset="0"/>
-              </a:rPr>
-              <a:t> analysis pipeline</a:t>
-            </a:r>
-          </a:p>
-          <a:p>
-            <a:pPr lvl="1">
-              <a:defRPr/>
-            </a:pPr>
-            <a:r>
-              <a:rPr lang="en-US" dirty="0">
-                <a:latin typeface="Calibri" charset="0"/>
-                <a:ea typeface="ＭＳ Ｐゴシック" charset="0"/>
-              </a:rPr>
-              <a:t>Run in a </a:t>
-            </a:r>
-            <a:r>
-              <a:rPr lang="ja-JP" altLang="en-US" dirty="0">
-                <a:latin typeface="Calibri" charset="0"/>
-                <a:ea typeface="ＭＳ Ｐゴシック" charset="0"/>
-              </a:rPr>
-              <a:t>‘</a:t>
-            </a:r>
-            <a:r>
-              <a:rPr lang="en-US" altLang="ja-JP" dirty="0">
-                <a:latin typeface="Calibri" charset="0"/>
-                <a:ea typeface="ＭＳ Ｐゴシック" charset="0"/>
-              </a:rPr>
-              <a:t>reasonable</a:t>
-            </a:r>
-            <a:r>
-              <a:rPr lang="ja-JP" altLang="en-US" dirty="0">
-                <a:latin typeface="Calibri" charset="0"/>
-                <a:ea typeface="ＭＳ Ｐゴシック" charset="0"/>
-              </a:rPr>
-              <a:t>’</a:t>
-            </a:r>
-            <a:r>
-              <a:rPr lang="en-US" altLang="ja-JP" dirty="0">
-                <a:latin typeface="Calibri" charset="0"/>
-                <a:ea typeface="ＭＳ Ｐゴシック" charset="0"/>
-              </a:rPr>
-              <a:t> amount of time with modest computer resources</a:t>
-            </a:r>
-          </a:p>
-          <a:p>
-            <a:pPr lvl="1">
-              <a:defRPr/>
-            </a:pPr>
-            <a:r>
-              <a:rPr lang="en-US" dirty="0">
-                <a:latin typeface="Calibri" charset="0"/>
-                <a:ea typeface="ＭＳ Ｐゴシック" charset="0"/>
-              </a:rPr>
-              <a:t>Self contained, self explanatory, portable</a:t>
-            </a:r>
-          </a:p>
-        </p:txBody>
-      </p:sp>
-    </p:spTree>
-    <p:extLst>
-      <p:ext uri="{BB962C8B-B14F-4D97-AF65-F5344CB8AC3E}">
-        <p14:creationId xmlns:p14="http://schemas.microsoft.com/office/powerpoint/2010/main" val="1737097002"/>
       </p:ext>
     </p:extLst>
   </p:cSld>
@@ -8068,7 +8896,7 @@
                 <a:latin typeface="Calibri" charset="0"/>
                 <a:ea typeface="ＭＳ Ｐゴシック" charset="0"/>
               </a:rPr>
-              <a:t>Rationale for sequencing RNA</a:t>
+              <a:t>Background molecular biology</a:t>
             </a:r>
           </a:p>
           <a:p>
@@ -8840,14 +9668,14 @@
           </a:ln>
           <a:extLst>
             <a:ext uri="{909E8E84-426E-40dd-AFC4-6F175D3DCCD1}">
-              <a14:hiddenFill xmlns="" xmlns:a14="http://schemas.microsoft.com/office/drawing/2010/main">
+              <a14:hiddenFill xmlns:a14="http://schemas.microsoft.com/office/drawing/2010/main" xmlns="">
                 <a:solidFill>
                   <a:srgbClr val="FFFFFF"/>
                 </a:solidFill>
               </a14:hiddenFill>
             </a:ext>
             <a:ext uri="{91240B29-F687-4f45-9708-019B960494DF}">
-              <a14:hiddenLine xmlns="" xmlns:a14="http://schemas.microsoft.com/office/drawing/2010/main" w="9525">
+              <a14:hiddenLine xmlns:a14="http://schemas.microsoft.com/office/drawing/2010/main" xmlns="" w="9525">
                 <a:solidFill>
                   <a:srgbClr val="000000"/>
                 </a:solidFill>
@@ -8894,14 +9722,14 @@
           </a:ln>
           <a:extLst>
             <a:ext uri="{909E8E84-426E-40dd-AFC4-6F175D3DCCD1}">
-              <a14:hiddenFill xmlns="" xmlns:a14="http://schemas.microsoft.com/office/drawing/2010/main">
+              <a14:hiddenFill xmlns:a14="http://schemas.microsoft.com/office/drawing/2010/main" xmlns="">
                 <a:solidFill>
                   <a:srgbClr val="FFFFFF"/>
                 </a:solidFill>
               </a14:hiddenFill>
             </a:ext>
             <a:ext uri="{91240B29-F687-4f45-9708-019B960494DF}">
-              <a14:hiddenLine xmlns="" xmlns:a14="http://schemas.microsoft.com/office/drawing/2010/main" w="9525">
+              <a14:hiddenLine xmlns:a14="http://schemas.microsoft.com/office/drawing/2010/main" xmlns="" w="9525">
                 <a:solidFill>
                   <a:srgbClr val="000000"/>
                 </a:solidFill>
@@ -8935,14 +9763,14 @@
           </a:ln>
           <a:extLst>
             <a:ext uri="{909E8E84-426E-40dd-AFC4-6F175D3DCCD1}">
-              <a14:hiddenFill xmlns="" xmlns:a14="http://schemas.microsoft.com/office/drawing/2010/main">
+              <a14:hiddenFill xmlns:a14="http://schemas.microsoft.com/office/drawing/2010/main" xmlns="">
                 <a:solidFill>
                   <a:srgbClr val="FFFFFF"/>
                 </a:solidFill>
               </a14:hiddenFill>
             </a:ext>
             <a:ext uri="{91240B29-F687-4f45-9708-019B960494DF}">
-              <a14:hiddenLine xmlns="" xmlns:a14="http://schemas.microsoft.com/office/drawing/2010/main" w="9525">
+              <a14:hiddenLine xmlns:a14="http://schemas.microsoft.com/office/drawing/2010/main" xmlns="" w="9525">
                 <a:solidFill>
                   <a:srgbClr val="000000"/>
                 </a:solidFill>
@@ -9096,14 +9924,14 @@
           </a:ln>
           <a:extLst>
             <a:ext uri="{909E8E84-426E-40dd-AFC4-6F175D3DCCD1}">
-              <a14:hiddenFill xmlns="" xmlns:a14="http://schemas.microsoft.com/office/drawing/2010/main">
+              <a14:hiddenFill xmlns:a14="http://schemas.microsoft.com/office/drawing/2010/main" xmlns="">
                 <a:solidFill>
                   <a:srgbClr val="FFFFFF"/>
                 </a:solidFill>
               </a14:hiddenFill>
             </a:ext>
             <a:ext uri="{91240B29-F687-4f45-9708-019B960494DF}">
-              <a14:hiddenLine xmlns="" xmlns:a14="http://schemas.microsoft.com/office/drawing/2010/main" w="9525">
+              <a14:hiddenLine xmlns:a14="http://schemas.microsoft.com/office/drawing/2010/main" xmlns="" w="9525">
                 <a:solidFill>
                   <a:srgbClr val="000000"/>
                 </a:solidFill>
